--- a/docs/figures.pptx
+++ b/docs/figures.pptx
@@ -7,6 +7,8 @@
   <p:sldIdLst>
     <p:sldId id="257" r:id="rId2"/>
     <p:sldId id="256" r:id="rId3"/>
+    <p:sldId id="260" r:id="rId4"/>
+    <p:sldId id="259" r:id="rId5"/>
   </p:sldIdLst>
   <p:sldSz cx="9144000" cy="6858000" type="screen4x3"/>
   <p:notesSz cx="6858000" cy="9144000"/>
@@ -290,7 +292,7 @@
             <a:fld id="{1D8BD707-D9CF-40AE-B4C6-C98DA3205C09}" type="datetimeFigureOut">
               <a:rPr lang="en-US" smtClean="0"/>
               <a:pPr/>
-              <a:t>7/17/2009</a:t>
+              <a:t>5/24/2010</a:t>
             </a:fld>
             <a:endParaRPr lang="en-US"/>
           </a:p>
@@ -457,7 +459,7 @@
             <a:fld id="{1D8BD707-D9CF-40AE-B4C6-C98DA3205C09}" type="datetimeFigureOut">
               <a:rPr lang="en-US" smtClean="0"/>
               <a:pPr/>
-              <a:t>7/17/2009</a:t>
+              <a:t>5/24/2010</a:t>
             </a:fld>
             <a:endParaRPr lang="en-US"/>
           </a:p>
@@ -634,7 +636,7 @@
             <a:fld id="{1D8BD707-D9CF-40AE-B4C6-C98DA3205C09}" type="datetimeFigureOut">
               <a:rPr lang="en-US" smtClean="0"/>
               <a:pPr/>
-              <a:t>7/17/2009</a:t>
+              <a:t>5/24/2010</a:t>
             </a:fld>
             <a:endParaRPr lang="en-US"/>
           </a:p>
@@ -801,7 +803,7 @@
             <a:fld id="{1D8BD707-D9CF-40AE-B4C6-C98DA3205C09}" type="datetimeFigureOut">
               <a:rPr lang="en-US" smtClean="0"/>
               <a:pPr/>
-              <a:t>7/17/2009</a:t>
+              <a:t>5/24/2010</a:t>
             </a:fld>
             <a:endParaRPr lang="en-US"/>
           </a:p>
@@ -1044,7 +1046,7 @@
             <a:fld id="{1D8BD707-D9CF-40AE-B4C6-C98DA3205C09}" type="datetimeFigureOut">
               <a:rPr lang="en-US" smtClean="0"/>
               <a:pPr/>
-              <a:t>7/17/2009</a:t>
+              <a:t>5/24/2010</a:t>
             </a:fld>
             <a:endParaRPr lang="en-US"/>
           </a:p>
@@ -1329,7 +1331,7 @@
             <a:fld id="{1D8BD707-D9CF-40AE-B4C6-C98DA3205C09}" type="datetimeFigureOut">
               <a:rPr lang="en-US" smtClean="0"/>
               <a:pPr/>
-              <a:t>7/17/2009</a:t>
+              <a:t>5/24/2010</a:t>
             </a:fld>
             <a:endParaRPr lang="en-US"/>
           </a:p>
@@ -1748,7 +1750,7 @@
             <a:fld id="{1D8BD707-D9CF-40AE-B4C6-C98DA3205C09}" type="datetimeFigureOut">
               <a:rPr lang="en-US" smtClean="0"/>
               <a:pPr/>
-              <a:t>7/17/2009</a:t>
+              <a:t>5/24/2010</a:t>
             </a:fld>
             <a:endParaRPr lang="en-US"/>
           </a:p>
@@ -1863,7 +1865,7 @@
             <a:fld id="{1D8BD707-D9CF-40AE-B4C6-C98DA3205C09}" type="datetimeFigureOut">
               <a:rPr lang="en-US" smtClean="0"/>
               <a:pPr/>
-              <a:t>7/17/2009</a:t>
+              <a:t>5/24/2010</a:t>
             </a:fld>
             <a:endParaRPr lang="en-US"/>
           </a:p>
@@ -1955,7 +1957,7 @@
             <a:fld id="{1D8BD707-D9CF-40AE-B4C6-C98DA3205C09}" type="datetimeFigureOut">
               <a:rPr lang="en-US" smtClean="0"/>
               <a:pPr/>
-              <a:t>7/17/2009</a:t>
+              <a:t>5/24/2010</a:t>
             </a:fld>
             <a:endParaRPr lang="en-US"/>
           </a:p>
@@ -2229,7 +2231,7 @@
             <a:fld id="{1D8BD707-D9CF-40AE-B4C6-C98DA3205C09}" type="datetimeFigureOut">
               <a:rPr lang="en-US" smtClean="0"/>
               <a:pPr/>
-              <a:t>7/17/2009</a:t>
+              <a:t>5/24/2010</a:t>
             </a:fld>
             <a:endParaRPr lang="en-US"/>
           </a:p>
@@ -2479,7 +2481,7 @@
             <a:fld id="{1D8BD707-D9CF-40AE-B4C6-C98DA3205C09}" type="datetimeFigureOut">
               <a:rPr lang="en-US" smtClean="0"/>
               <a:pPr/>
-              <a:t>7/17/2009</a:t>
+              <a:t>5/24/2010</a:t>
             </a:fld>
             <a:endParaRPr lang="en-US"/>
           </a:p>
@@ -2689,7 +2691,7 @@
             <a:fld id="{1D8BD707-D9CF-40AE-B4C6-C98DA3205C09}" type="datetimeFigureOut">
               <a:rPr lang="en-US" smtClean="0"/>
               <a:pPr/>
-              <a:t>7/17/2009</a:t>
+              <a:t>5/24/2010</a:t>
             </a:fld>
             <a:endParaRPr lang="en-US"/>
           </a:p>
@@ -5053,6 +5055,2096 @@
 </p:sld>
 </file>
 
+<file path=ppt/slides/slide3.xml><?xml version="1.0" encoding="utf-8"?>
+<p:sld xmlns:a="http://schemas.openxmlformats.org/drawingml/2006/main" xmlns:r="http://schemas.openxmlformats.org/officeDocument/2006/relationships" xmlns:p="http://schemas.openxmlformats.org/presentationml/2006/main">
+  <p:cSld>
+    <p:spTree>
+      <p:nvGrpSpPr>
+        <p:cNvPr id="1" name=""/>
+        <p:cNvGrpSpPr/>
+        <p:nvPr/>
+      </p:nvGrpSpPr>
+      <p:grpSpPr>
+        <a:xfrm>
+          <a:off x="0" y="0"/>
+          <a:ext cx="0" cy="0"/>
+          <a:chOff x="0" y="0"/>
+          <a:chExt cx="0" cy="0"/>
+        </a:xfrm>
+      </p:grpSpPr>
+      <p:sp>
+        <p:nvSpPr>
+          <p:cNvPr id="4" name="Rounded Rectangle 3"/>
+          <p:cNvSpPr/>
+          <p:nvPr/>
+        </p:nvSpPr>
+        <p:spPr>
+          <a:xfrm>
+            <a:off x="1595438" y="585788"/>
+            <a:ext cx="1450975" cy="609600"/>
+          </a:xfrm>
+          <a:prstGeom prst="roundRect">
+            <a:avLst/>
+          </a:prstGeom>
+        </p:spPr>
+        <p:style>
+          <a:lnRef idx="1">
+            <a:schemeClr val="accent1"/>
+          </a:lnRef>
+          <a:fillRef idx="2">
+            <a:schemeClr val="accent1"/>
+          </a:fillRef>
+          <a:effectRef idx="1">
+            <a:schemeClr val="accent1"/>
+          </a:effectRef>
+          <a:fontRef idx="minor">
+            <a:schemeClr val="dk1"/>
+          </a:fontRef>
+        </p:style>
+        <p:txBody>
+          <a:bodyPr anchor="ctr"/>
+          <a:lstStyle/>
+          <a:p>
+            <a:pPr algn="ctr"/>
+            <a:r>
+              <a:rPr lang="en-US" sz="1000" dirty="0" err="1">
+                <a:solidFill>
+                  <a:srgbClr val="000000"/>
+                </a:solidFill>
+              </a:rPr>
+              <a:t>ivory.index</a:t>
+            </a:r>
+            <a:r>
+              <a:rPr lang="en-US" sz="1000" dirty="0">
+                <a:solidFill>
+                  <a:srgbClr val="000000"/>
+                </a:solidFill>
+              </a:rPr>
+              <a:t>.</a:t>
+            </a:r>
+          </a:p>
+          <a:p>
+            <a:pPr algn="ctr"/>
+            <a:r>
+              <a:rPr lang="en-US" sz="1000" dirty="0">
+                <a:solidFill>
+                  <a:srgbClr val="000000"/>
+                </a:solidFill>
+              </a:rPr>
+              <a:t>BuildTermDocVectors</a:t>
+            </a:r>
+          </a:p>
+        </p:txBody>
+      </p:sp>
+      <p:sp>
+        <p:nvSpPr>
+          <p:cNvPr id="5" name="TextBox 4"/>
+          <p:cNvSpPr txBox="1"/>
+          <p:nvPr/>
+        </p:nvSpPr>
+        <p:spPr>
+          <a:xfrm>
+            <a:off x="1517650" y="1462088"/>
+            <a:ext cx="1608138" cy="396875"/>
+          </a:xfrm>
+          <a:prstGeom prst="rect">
+            <a:avLst/>
+          </a:prstGeom>
+          <a:noFill/>
+        </p:spPr>
+        <p:txBody>
+          <a:bodyPr wrap="none">
+            <a:spAutoFit/>
+          </a:bodyPr>
+          <a:lstStyle/>
+          <a:p>
+            <a:pPr algn="ctr"/>
+            <a:r>
+              <a:rPr lang="en-US" sz="1000" dirty="0" err="1">
+                <a:latin typeface="Calibri" pitchFamily="34" charset="0"/>
+              </a:rPr>
+              <a:t>SequenceFile</a:t>
+            </a:r>
+            <a:r>
+              <a:rPr lang="en-US" sz="1000" dirty="0">
+                <a:latin typeface="Calibri" pitchFamily="34" charset="0"/>
+              </a:rPr>
+              <a:t> &lt;IntWritable, </a:t>
+            </a:r>
+          </a:p>
+          <a:p>
+            <a:pPr algn="ctr"/>
+            <a:r>
+              <a:rPr lang="en-US" sz="1000" dirty="0" err="1">
+                <a:latin typeface="Calibri" pitchFamily="34" charset="0"/>
+              </a:rPr>
+              <a:t>ivory.data.TermDocVector</a:t>
+            </a:r>
+            <a:r>
+              <a:rPr lang="en-US" sz="1000" dirty="0">
+                <a:latin typeface="Calibri" pitchFamily="34" charset="0"/>
+              </a:rPr>
+              <a:t>&gt;</a:t>
+            </a:r>
+          </a:p>
+        </p:txBody>
+      </p:sp>
+      <p:sp>
+        <p:nvSpPr>
+          <p:cNvPr id="6" name="TextBox 5"/>
+          <p:cNvSpPr txBox="1"/>
+          <p:nvPr/>
+        </p:nvSpPr>
+        <p:spPr>
+          <a:xfrm>
+            <a:off x="1855788" y="76200"/>
+            <a:ext cx="931862" cy="244475"/>
+          </a:xfrm>
+          <a:prstGeom prst="rect">
+            <a:avLst/>
+          </a:prstGeom>
+          <a:noFill/>
+        </p:spPr>
+        <p:txBody>
+          <a:bodyPr wrap="none">
+            <a:spAutoFit/>
+          </a:bodyPr>
+          <a:lstStyle/>
+          <a:p>
+            <a:pPr fontAlgn="auto">
+              <a:spcBef>
+                <a:spcPts val="0"/>
+              </a:spcBef>
+              <a:spcAft>
+                <a:spcPts val="0"/>
+              </a:spcAft>
+              <a:defRPr/>
+            </a:pPr>
+            <a:r>
+              <a:rPr lang="en-US" sz="1050" dirty="0">
+                <a:latin typeface="+mn-lt"/>
+              </a:rPr>
+              <a:t>Raw collection</a:t>
+            </a:r>
+          </a:p>
+        </p:txBody>
+      </p:sp>
+      <p:sp>
+        <p:nvSpPr>
+          <p:cNvPr id="7" name="Rounded Rectangle 6"/>
+          <p:cNvSpPr/>
+          <p:nvPr/>
+        </p:nvSpPr>
+        <p:spPr>
+          <a:xfrm>
+            <a:off x="1595438" y="5203825"/>
+            <a:ext cx="1450975" cy="609600"/>
+          </a:xfrm>
+          <a:prstGeom prst="roundRect">
+            <a:avLst/>
+          </a:prstGeom>
+        </p:spPr>
+        <p:style>
+          <a:lnRef idx="1">
+            <a:schemeClr val="accent1"/>
+          </a:lnRef>
+          <a:fillRef idx="2">
+            <a:schemeClr val="accent1"/>
+          </a:fillRef>
+          <a:effectRef idx="1">
+            <a:schemeClr val="accent1"/>
+          </a:effectRef>
+          <a:fontRef idx="minor">
+            <a:schemeClr val="dk1"/>
+          </a:fontRef>
+        </p:style>
+        <p:txBody>
+          <a:bodyPr anchor="ctr"/>
+          <a:lstStyle/>
+          <a:p>
+            <a:pPr algn="ctr"/>
+            <a:r>
+              <a:rPr lang="en-US" sz="1000" dirty="0" err="1">
+                <a:solidFill>
+                  <a:srgbClr val="000000"/>
+                </a:solidFill>
+              </a:rPr>
+              <a:t>ivory.index</a:t>
+            </a:r>
+            <a:r>
+              <a:rPr lang="en-US" sz="1000" dirty="0">
+                <a:solidFill>
+                  <a:srgbClr val="000000"/>
+                </a:solidFill>
+              </a:rPr>
+              <a:t>.</a:t>
+            </a:r>
+          </a:p>
+          <a:p>
+            <a:pPr algn="ctr"/>
+            <a:r>
+              <a:rPr lang="en-US" sz="1000" dirty="0">
+                <a:solidFill>
+                  <a:srgbClr val="000000"/>
+                </a:solidFill>
+              </a:rPr>
+              <a:t>BuildIntDocVectors</a:t>
+            </a:r>
+          </a:p>
+        </p:txBody>
+      </p:sp>
+      <p:sp>
+        <p:nvSpPr>
+          <p:cNvPr id="8" name="TextBox 7"/>
+          <p:cNvSpPr txBox="1"/>
+          <p:nvPr/>
+        </p:nvSpPr>
+        <p:spPr>
+          <a:xfrm>
+            <a:off x="1517650" y="6080125"/>
+            <a:ext cx="1608138" cy="396875"/>
+          </a:xfrm>
+          <a:prstGeom prst="rect">
+            <a:avLst/>
+          </a:prstGeom>
+          <a:noFill/>
+        </p:spPr>
+        <p:txBody>
+          <a:bodyPr wrap="none">
+            <a:spAutoFit/>
+          </a:bodyPr>
+          <a:lstStyle/>
+          <a:p>
+            <a:pPr algn="ctr"/>
+            <a:r>
+              <a:rPr lang="en-US" sz="1000" dirty="0" err="1">
+                <a:latin typeface="Calibri" pitchFamily="34" charset="0"/>
+              </a:rPr>
+              <a:t>SequenceFile</a:t>
+            </a:r>
+            <a:r>
+              <a:rPr lang="en-US" sz="1000" dirty="0">
+                <a:latin typeface="Calibri" pitchFamily="34" charset="0"/>
+              </a:rPr>
+              <a:t> &lt;IntWritable, </a:t>
+            </a:r>
+          </a:p>
+          <a:p>
+            <a:pPr algn="ctr"/>
+            <a:r>
+              <a:rPr lang="en-US" sz="1000" dirty="0" err="1">
+                <a:latin typeface="Calibri" pitchFamily="34" charset="0"/>
+              </a:rPr>
+              <a:t>ivory.data.IntDocVector</a:t>
+            </a:r>
+            <a:r>
+              <a:rPr lang="en-US" sz="1000" dirty="0">
+                <a:latin typeface="Calibri" pitchFamily="34" charset="0"/>
+              </a:rPr>
+              <a:t>&gt;</a:t>
+            </a:r>
+          </a:p>
+        </p:txBody>
+      </p:sp>
+      <p:sp>
+        <p:nvSpPr>
+          <p:cNvPr id="9" name="Rounded Rectangle 8"/>
+          <p:cNvSpPr/>
+          <p:nvPr/>
+        </p:nvSpPr>
+        <p:spPr>
+          <a:xfrm>
+            <a:off x="1595438" y="3816350"/>
+            <a:ext cx="1450975" cy="609600"/>
+          </a:xfrm>
+          <a:prstGeom prst="roundRect">
+            <a:avLst/>
+          </a:prstGeom>
+        </p:spPr>
+        <p:style>
+          <a:lnRef idx="1">
+            <a:schemeClr val="accent1"/>
+          </a:lnRef>
+          <a:fillRef idx="2">
+            <a:schemeClr val="accent1"/>
+          </a:fillRef>
+          <a:effectRef idx="1">
+            <a:schemeClr val="accent1"/>
+          </a:effectRef>
+          <a:fontRef idx="minor">
+            <a:schemeClr val="dk1"/>
+          </a:fontRef>
+        </p:style>
+        <p:txBody>
+          <a:bodyPr anchor="ctr"/>
+          <a:lstStyle/>
+          <a:p>
+            <a:pPr algn="ctr" fontAlgn="auto">
+              <a:spcBef>
+                <a:spcPts val="0"/>
+              </a:spcBef>
+              <a:spcAft>
+                <a:spcPts val="0"/>
+              </a:spcAft>
+              <a:defRPr/>
+            </a:pPr>
+            <a:r>
+              <a:rPr lang="en-US" sz="1050" dirty="0" err="1"/>
+              <a:t>ivory.index</a:t>
+            </a:r>
+            <a:r>
+              <a:rPr lang="en-US" sz="1050" dirty="0"/>
+              <a:t>.</a:t>
+            </a:r>
+          </a:p>
+          <a:p>
+            <a:pPr algn="ctr" fontAlgn="auto">
+              <a:spcBef>
+                <a:spcPts val="0"/>
+              </a:spcBef>
+              <a:spcAft>
+                <a:spcPts val="0"/>
+              </a:spcAft>
+              <a:defRPr/>
+            </a:pPr>
+            <a:r>
+              <a:rPr lang="en-US" sz="1050" dirty="0"/>
+              <a:t>BuildTermIdMapping</a:t>
+            </a:r>
+          </a:p>
+        </p:txBody>
+      </p:sp>
+      <p:sp>
+        <p:nvSpPr>
+          <p:cNvPr id="10" name="TextBox 9"/>
+          <p:cNvSpPr txBox="1"/>
+          <p:nvPr/>
+        </p:nvSpPr>
+        <p:spPr>
+          <a:xfrm>
+            <a:off x="1816100" y="4692650"/>
+            <a:ext cx="1008063" cy="244475"/>
+          </a:xfrm>
+          <a:prstGeom prst="rect">
+            <a:avLst/>
+          </a:prstGeom>
+          <a:noFill/>
+        </p:spPr>
+        <p:txBody>
+          <a:bodyPr wrap="none">
+            <a:spAutoFit/>
+          </a:bodyPr>
+          <a:lstStyle/>
+          <a:p>
+            <a:r>
+              <a:rPr lang="en-US" sz="1000" i="1">
+                <a:latin typeface="Calibri" pitchFamily="34" charset="0"/>
+              </a:rPr>
+              <a:t>TermIdMapping</a:t>
+            </a:r>
+          </a:p>
+        </p:txBody>
+      </p:sp>
+      <p:cxnSp>
+        <p:nvCxnSpPr>
+          <p:cNvPr id="12" name="Straight Arrow Connector 11"/>
+          <p:cNvCxnSpPr>
+            <a:cxnSpLocks noChangeShapeType="1"/>
+            <a:stCxn id="6" idx="2"/>
+            <a:endCxn id="4" idx="0"/>
+          </p:cNvCxnSpPr>
+          <p:nvPr/>
+        </p:nvCxnSpPr>
+        <p:spPr bwMode="auto">
+          <a:xfrm flipH="1">
+            <a:off x="2320925" y="320675"/>
+            <a:ext cx="1588" cy="265113"/>
+          </a:xfrm>
+          <a:prstGeom prst="straightConnector1">
+            <a:avLst/>
+          </a:prstGeom>
+          <a:noFill/>
+          <a:ln w="9525" algn="ctr">
+            <a:solidFill>
+              <a:srgbClr val="000000"/>
+            </a:solidFill>
+            <a:round/>
+            <a:headEnd/>
+            <a:tailEnd type="arrow" w="med" len="med"/>
+          </a:ln>
+        </p:spPr>
+      </p:cxnSp>
+      <p:cxnSp>
+        <p:nvCxnSpPr>
+          <p:cNvPr id="13" name="Straight Arrow Connector 12"/>
+          <p:cNvCxnSpPr>
+            <a:cxnSpLocks noChangeShapeType="1"/>
+            <a:stCxn id="4" idx="2"/>
+            <a:endCxn id="5" idx="0"/>
+          </p:cNvCxnSpPr>
+          <p:nvPr/>
+        </p:nvCxnSpPr>
+        <p:spPr bwMode="auto">
+          <a:xfrm>
+            <a:off x="2320925" y="1195388"/>
+            <a:ext cx="1588" cy="266700"/>
+          </a:xfrm>
+          <a:prstGeom prst="straightConnector1">
+            <a:avLst/>
+          </a:prstGeom>
+          <a:noFill/>
+          <a:ln w="9525" algn="ctr">
+            <a:solidFill>
+              <a:srgbClr val="000000"/>
+            </a:solidFill>
+            <a:round/>
+            <a:headEnd/>
+            <a:tailEnd type="arrow" w="med" len="med"/>
+          </a:ln>
+        </p:spPr>
+      </p:cxnSp>
+      <p:cxnSp>
+        <p:nvCxnSpPr>
+          <p:cNvPr id="16" name="Straight Arrow Connector 15"/>
+          <p:cNvCxnSpPr>
+            <a:cxnSpLocks noChangeShapeType="1"/>
+            <a:stCxn id="0" idx="2"/>
+            <a:endCxn id="9" idx="0"/>
+          </p:cNvCxnSpPr>
+          <p:nvPr/>
+        </p:nvCxnSpPr>
+        <p:spPr bwMode="auto">
+          <a:xfrm>
+            <a:off x="2320925" y="3551238"/>
+            <a:ext cx="0" cy="265112"/>
+          </a:xfrm>
+          <a:prstGeom prst="straightConnector1">
+            <a:avLst/>
+          </a:prstGeom>
+          <a:noFill/>
+          <a:ln w="9525" algn="ctr">
+            <a:solidFill>
+              <a:srgbClr val="000000"/>
+            </a:solidFill>
+            <a:round/>
+            <a:headEnd/>
+            <a:tailEnd type="arrow" w="med" len="med"/>
+          </a:ln>
+        </p:spPr>
+      </p:cxnSp>
+      <p:cxnSp>
+        <p:nvCxnSpPr>
+          <p:cNvPr id="19" name="Straight Arrow Connector 18"/>
+          <p:cNvCxnSpPr>
+            <a:cxnSpLocks noChangeShapeType="1"/>
+            <a:stCxn id="9" idx="2"/>
+            <a:endCxn id="10" idx="0"/>
+          </p:cNvCxnSpPr>
+          <p:nvPr/>
+        </p:nvCxnSpPr>
+        <p:spPr bwMode="auto">
+          <a:xfrm>
+            <a:off x="2320925" y="4425950"/>
+            <a:ext cx="0" cy="266700"/>
+          </a:xfrm>
+          <a:prstGeom prst="straightConnector1">
+            <a:avLst/>
+          </a:prstGeom>
+          <a:noFill/>
+          <a:ln w="9525" algn="ctr">
+            <a:solidFill>
+              <a:srgbClr val="000000"/>
+            </a:solidFill>
+            <a:round/>
+            <a:headEnd/>
+            <a:tailEnd type="arrow" w="med" len="med"/>
+          </a:ln>
+        </p:spPr>
+      </p:cxnSp>
+      <p:cxnSp>
+        <p:nvCxnSpPr>
+          <p:cNvPr id="23" name="Elbow Connector 22"/>
+          <p:cNvCxnSpPr>
+            <a:cxnSpLocks noChangeShapeType="1"/>
+            <a:stCxn id="5" idx="1"/>
+            <a:endCxn id="7" idx="1"/>
+          </p:cNvCxnSpPr>
+          <p:nvPr/>
+        </p:nvCxnSpPr>
+        <p:spPr bwMode="auto">
+          <a:xfrm rot="10800000" flipH="1" flipV="1">
+            <a:off x="1517650" y="1660525"/>
+            <a:ext cx="77788" cy="3848100"/>
+          </a:xfrm>
+          <a:prstGeom prst="bentConnector3">
+            <a:avLst>
+              <a:gd name="adj1" fmla="val -293880"/>
+            </a:avLst>
+          </a:prstGeom>
+          <a:noFill/>
+          <a:ln w="9525" algn="ctr">
+            <a:solidFill>
+              <a:srgbClr val="000000"/>
+            </a:solidFill>
+            <a:miter lim="800000"/>
+            <a:headEnd/>
+            <a:tailEnd type="arrow" w="med" len="med"/>
+          </a:ln>
+        </p:spPr>
+      </p:cxnSp>
+      <p:cxnSp>
+        <p:nvCxnSpPr>
+          <p:cNvPr id="31" name="Straight Arrow Connector 30"/>
+          <p:cNvCxnSpPr>
+            <a:cxnSpLocks noChangeShapeType="1"/>
+            <a:stCxn id="10" idx="2"/>
+            <a:endCxn id="7" idx="0"/>
+          </p:cNvCxnSpPr>
+          <p:nvPr/>
+        </p:nvCxnSpPr>
+        <p:spPr bwMode="auto">
+          <a:xfrm>
+            <a:off x="2320925" y="4937125"/>
+            <a:ext cx="0" cy="266700"/>
+          </a:xfrm>
+          <a:prstGeom prst="straightConnector1">
+            <a:avLst/>
+          </a:prstGeom>
+          <a:noFill/>
+          <a:ln w="9525" algn="ctr">
+            <a:solidFill>
+              <a:srgbClr val="000000"/>
+            </a:solidFill>
+            <a:round/>
+            <a:headEnd/>
+            <a:tailEnd type="arrow" w="med" len="med"/>
+          </a:ln>
+        </p:spPr>
+      </p:cxnSp>
+      <p:cxnSp>
+        <p:nvCxnSpPr>
+          <p:cNvPr id="41" name="Straight Arrow Connector 40"/>
+          <p:cNvCxnSpPr>
+            <a:cxnSpLocks noChangeShapeType="1"/>
+            <a:stCxn id="7" idx="2"/>
+            <a:endCxn id="8" idx="0"/>
+          </p:cNvCxnSpPr>
+          <p:nvPr/>
+        </p:nvCxnSpPr>
+        <p:spPr bwMode="auto">
+          <a:xfrm>
+            <a:off x="2320925" y="5813425"/>
+            <a:ext cx="1588" cy="266700"/>
+          </a:xfrm>
+          <a:prstGeom prst="straightConnector1">
+            <a:avLst/>
+          </a:prstGeom>
+          <a:noFill/>
+          <a:ln w="9525" algn="ctr">
+            <a:solidFill>
+              <a:srgbClr val="000000"/>
+            </a:solidFill>
+            <a:round/>
+            <a:headEnd/>
+            <a:tailEnd type="arrow" w="med" len="med"/>
+          </a:ln>
+        </p:spPr>
+      </p:cxnSp>
+      <p:sp>
+        <p:nvSpPr>
+          <p:cNvPr id="44" name="Rounded Rectangle 43"/>
+          <p:cNvSpPr/>
+          <p:nvPr/>
+        </p:nvSpPr>
+        <p:spPr>
+          <a:xfrm>
+            <a:off x="3581400" y="2409825"/>
+            <a:ext cx="2057400" cy="609600"/>
+          </a:xfrm>
+          <a:prstGeom prst="roundRect">
+            <a:avLst/>
+          </a:prstGeom>
+        </p:spPr>
+        <p:style>
+          <a:lnRef idx="1">
+            <a:schemeClr val="accent3"/>
+          </a:lnRef>
+          <a:fillRef idx="2">
+            <a:schemeClr val="accent3"/>
+          </a:fillRef>
+          <a:effectRef idx="1">
+            <a:schemeClr val="accent3"/>
+          </a:effectRef>
+          <a:fontRef idx="minor">
+            <a:schemeClr val="dk1"/>
+          </a:fontRef>
+        </p:style>
+        <p:txBody>
+          <a:bodyPr anchor="ctr"/>
+          <a:lstStyle/>
+          <a:p>
+            <a:pPr algn="ctr"/>
+            <a:r>
+              <a:rPr lang="en-US" sz="1000" dirty="0" err="1">
+                <a:solidFill>
+                  <a:srgbClr val="000000"/>
+                </a:solidFill>
+              </a:rPr>
+              <a:t>ivory.index</a:t>
+            </a:r>
+            <a:r>
+              <a:rPr lang="en-US" sz="1000" dirty="0">
+                <a:solidFill>
+                  <a:srgbClr val="000000"/>
+                </a:solidFill>
+              </a:rPr>
+              <a:t>.</a:t>
+            </a:r>
+          </a:p>
+          <a:p>
+            <a:pPr algn="ctr"/>
+            <a:r>
+              <a:rPr lang="en-US" sz="1000" dirty="0">
+                <a:solidFill>
+                  <a:srgbClr val="000000"/>
+                </a:solidFill>
+              </a:rPr>
+              <a:t>BuildIPInvertedIndexDocSorted</a:t>
+            </a:r>
+          </a:p>
+        </p:txBody>
+      </p:sp>
+      <p:sp>
+        <p:nvSpPr>
+          <p:cNvPr id="87" name="Rounded Rectangle 86"/>
+          <p:cNvSpPr/>
+          <p:nvPr/>
+        </p:nvSpPr>
+        <p:spPr>
+          <a:xfrm>
+            <a:off x="3581400" y="3552825"/>
+            <a:ext cx="2057400" cy="609600"/>
+          </a:xfrm>
+          <a:prstGeom prst="roundRect">
+            <a:avLst/>
+          </a:prstGeom>
+        </p:spPr>
+        <p:style>
+          <a:lnRef idx="1">
+            <a:schemeClr val="accent3"/>
+          </a:lnRef>
+          <a:fillRef idx="2">
+            <a:schemeClr val="accent3"/>
+          </a:fillRef>
+          <a:effectRef idx="1">
+            <a:schemeClr val="accent3"/>
+          </a:effectRef>
+          <a:fontRef idx="minor">
+            <a:schemeClr val="dk1"/>
+          </a:fontRef>
+        </p:style>
+        <p:txBody>
+          <a:bodyPr anchor="ctr"/>
+          <a:lstStyle/>
+          <a:p>
+            <a:pPr algn="ctr"/>
+            <a:r>
+              <a:rPr lang="en-US" sz="1000" dirty="0" err="1">
+                <a:solidFill>
+                  <a:srgbClr val="000000"/>
+                </a:solidFill>
+              </a:rPr>
+              <a:t>ivory.index</a:t>
+            </a:r>
+            <a:r>
+              <a:rPr lang="en-US" sz="1000" dirty="0">
+                <a:solidFill>
+                  <a:srgbClr val="000000"/>
+                </a:solidFill>
+              </a:rPr>
+              <a:t>.</a:t>
+            </a:r>
+          </a:p>
+          <a:p>
+            <a:pPr algn="ctr"/>
+            <a:r>
+              <a:rPr lang="en-US" sz="1000" dirty="0">
+                <a:solidFill>
+                  <a:srgbClr val="000000"/>
+                </a:solidFill>
+              </a:rPr>
+              <a:t>BuildLPInvertedIndexDocSorted</a:t>
+            </a:r>
+          </a:p>
+        </p:txBody>
+      </p:sp>
+      <p:sp>
+        <p:nvSpPr>
+          <p:cNvPr id="90" name="TextBox 89"/>
+          <p:cNvSpPr txBox="1"/>
+          <p:nvPr/>
+        </p:nvSpPr>
+        <p:spPr>
+          <a:xfrm>
+            <a:off x="6042025" y="3087688"/>
+            <a:ext cx="1608138" cy="396875"/>
+          </a:xfrm>
+          <a:prstGeom prst="rect">
+            <a:avLst/>
+          </a:prstGeom>
+          <a:noFill/>
+        </p:spPr>
+        <p:txBody>
+          <a:bodyPr wrap="none">
+            <a:spAutoFit/>
+          </a:bodyPr>
+          <a:lstStyle/>
+          <a:p>
+            <a:r>
+              <a:rPr lang="en-US" sz="1000" dirty="0" err="1">
+                <a:latin typeface="Calibri" pitchFamily="34" charset="0"/>
+              </a:rPr>
+              <a:t>SequenceFile</a:t>
+            </a:r>
+            <a:r>
+              <a:rPr lang="en-US" sz="1000" dirty="0">
+                <a:latin typeface="Calibri" pitchFamily="34" charset="0"/>
+              </a:rPr>
+              <a:t> &lt;IntWritable, </a:t>
+            </a:r>
+          </a:p>
+          <a:p>
+            <a:r>
+              <a:rPr lang="en-US" sz="1000" dirty="0" err="1">
+                <a:latin typeface="Calibri" pitchFamily="34" charset="0"/>
+              </a:rPr>
+              <a:t>ivory.data.PostingsList</a:t>
+            </a:r>
+            <a:r>
+              <a:rPr lang="en-US" sz="1000" dirty="0">
+                <a:latin typeface="Calibri" pitchFamily="34" charset="0"/>
+              </a:rPr>
+              <a:t>&gt;</a:t>
+            </a:r>
+          </a:p>
+        </p:txBody>
+      </p:sp>
+      <p:cxnSp>
+        <p:nvCxnSpPr>
+          <p:cNvPr id="94" name="Elbow Connector 93"/>
+          <p:cNvCxnSpPr>
+            <a:cxnSpLocks noChangeShapeType="1"/>
+            <a:stCxn id="8" idx="3"/>
+            <a:endCxn id="44" idx="1"/>
+          </p:cNvCxnSpPr>
+          <p:nvPr/>
+        </p:nvCxnSpPr>
+        <p:spPr bwMode="auto">
+          <a:xfrm flipV="1">
+            <a:off x="3125788" y="2714625"/>
+            <a:ext cx="455612" cy="3563938"/>
+          </a:xfrm>
+          <a:prstGeom prst="bentConnector3">
+            <a:avLst>
+              <a:gd name="adj1" fmla="val 49824"/>
+            </a:avLst>
+          </a:prstGeom>
+          <a:noFill/>
+          <a:ln w="9525" algn="ctr">
+            <a:solidFill>
+              <a:srgbClr val="000000"/>
+            </a:solidFill>
+            <a:miter lim="800000"/>
+            <a:headEnd/>
+            <a:tailEnd type="arrow" w="med" len="med"/>
+          </a:ln>
+        </p:spPr>
+      </p:cxnSp>
+      <p:cxnSp>
+        <p:nvCxnSpPr>
+          <p:cNvPr id="100" name="Elbow Connector 99"/>
+          <p:cNvCxnSpPr>
+            <a:cxnSpLocks noChangeShapeType="1"/>
+            <a:stCxn id="8" idx="3"/>
+            <a:endCxn id="87" idx="1"/>
+          </p:cNvCxnSpPr>
+          <p:nvPr/>
+        </p:nvCxnSpPr>
+        <p:spPr bwMode="auto">
+          <a:xfrm flipV="1">
+            <a:off x="3125788" y="3857625"/>
+            <a:ext cx="455612" cy="2420938"/>
+          </a:xfrm>
+          <a:prstGeom prst="bentConnector3">
+            <a:avLst>
+              <a:gd name="adj1" fmla="val 49824"/>
+            </a:avLst>
+          </a:prstGeom>
+          <a:noFill/>
+          <a:ln w="9525" algn="ctr">
+            <a:solidFill>
+              <a:srgbClr val="000000"/>
+            </a:solidFill>
+            <a:miter lim="800000"/>
+            <a:headEnd/>
+            <a:tailEnd type="arrow" w="med" len="med"/>
+          </a:ln>
+        </p:spPr>
+      </p:cxnSp>
+      <p:cxnSp>
+        <p:nvCxnSpPr>
+          <p:cNvPr id="105" name="Elbow Connector 104"/>
+          <p:cNvCxnSpPr>
+            <a:cxnSpLocks noChangeShapeType="1"/>
+            <a:stCxn id="44" idx="3"/>
+            <a:endCxn id="90" idx="1"/>
+          </p:cNvCxnSpPr>
+          <p:nvPr/>
+        </p:nvCxnSpPr>
+        <p:spPr bwMode="auto">
+          <a:xfrm>
+            <a:off x="5638800" y="2714625"/>
+            <a:ext cx="403225" cy="571500"/>
+          </a:xfrm>
+          <a:prstGeom prst="bentConnector3">
+            <a:avLst>
+              <a:gd name="adj1" fmla="val 50000"/>
+            </a:avLst>
+          </a:prstGeom>
+          <a:noFill/>
+          <a:ln w="9525" algn="ctr">
+            <a:solidFill>
+              <a:srgbClr val="000000"/>
+            </a:solidFill>
+            <a:miter lim="800000"/>
+            <a:headEnd/>
+            <a:tailEnd type="arrow" w="med" len="med"/>
+          </a:ln>
+        </p:spPr>
+      </p:cxnSp>
+      <p:cxnSp>
+        <p:nvCxnSpPr>
+          <p:cNvPr id="108" name="Elbow Connector 107"/>
+          <p:cNvCxnSpPr>
+            <a:cxnSpLocks noChangeShapeType="1"/>
+            <a:stCxn id="87" idx="3"/>
+            <a:endCxn id="90" idx="1"/>
+          </p:cNvCxnSpPr>
+          <p:nvPr/>
+        </p:nvCxnSpPr>
+        <p:spPr bwMode="auto">
+          <a:xfrm flipV="1">
+            <a:off x="5638800" y="3286125"/>
+            <a:ext cx="403225" cy="571500"/>
+          </a:xfrm>
+          <a:prstGeom prst="bentConnector3">
+            <a:avLst>
+              <a:gd name="adj1" fmla="val 50000"/>
+            </a:avLst>
+          </a:prstGeom>
+          <a:noFill/>
+          <a:ln w="9525" algn="ctr">
+            <a:solidFill>
+              <a:srgbClr val="000000"/>
+            </a:solidFill>
+            <a:miter lim="800000"/>
+            <a:headEnd/>
+            <a:tailEnd type="arrow" w="med" len="med"/>
+          </a:ln>
+        </p:spPr>
+      </p:cxnSp>
+      <p:sp>
+        <p:nvSpPr>
+          <p:cNvPr id="2" name="TextBox 4"/>
+          <p:cNvSpPr txBox="1"/>
+          <p:nvPr/>
+        </p:nvSpPr>
+        <p:spPr>
+          <a:xfrm>
+            <a:off x="1466850" y="3001963"/>
+            <a:ext cx="1708150" cy="549275"/>
+          </a:xfrm>
+          <a:prstGeom prst="rect">
+            <a:avLst/>
+          </a:prstGeom>
+          <a:noFill/>
+        </p:spPr>
+        <p:txBody>
+          <a:bodyPr wrap="none">
+            <a:spAutoFit/>
+          </a:bodyPr>
+          <a:lstStyle/>
+          <a:p>
+            <a:pPr algn="ctr"/>
+            <a:r>
+              <a:rPr lang="en-US" sz="1000" i="1" dirty="0" err="1">
+                <a:latin typeface="Calibri" pitchFamily="34" charset="0"/>
+              </a:rPr>
+              <a:t>CollectionTermCount</a:t>
+            </a:r>
+            <a:r>
+              <a:rPr lang="en-US" sz="1000" dirty="0">
+                <a:latin typeface="Calibri" pitchFamily="34" charset="0"/>
+              </a:rPr>
+              <a:t>,</a:t>
+            </a:r>
+          </a:p>
+          <a:p>
+            <a:pPr algn="ctr"/>
+            <a:r>
+              <a:rPr lang="en-US" sz="1000" i="1" dirty="0">
+                <a:latin typeface="Calibri" pitchFamily="34" charset="0"/>
+              </a:rPr>
+              <a:t>Term-DF Data</a:t>
+            </a:r>
+            <a:r>
+              <a:rPr lang="en-US" sz="1000" dirty="0">
+                <a:latin typeface="Calibri" pitchFamily="34" charset="0"/>
+              </a:rPr>
+              <a:t>: </a:t>
+            </a:r>
+            <a:r>
+              <a:rPr lang="en-US" sz="1000" dirty="0" err="1">
+                <a:latin typeface="Calibri" pitchFamily="34" charset="0"/>
+              </a:rPr>
+              <a:t>SequenceFile</a:t>
+            </a:r>
+            <a:r>
+              <a:rPr lang="en-US" sz="1000" dirty="0">
+                <a:latin typeface="Calibri" pitchFamily="34" charset="0"/>
+              </a:rPr>
+              <a:t>&lt;</a:t>
+            </a:r>
+            <a:br>
+              <a:rPr lang="en-US" sz="1000" dirty="0">
+                <a:latin typeface="Calibri" pitchFamily="34" charset="0"/>
+              </a:rPr>
+            </a:br>
+            <a:r>
+              <a:rPr lang="en-US" sz="1000" dirty="0">
+                <a:latin typeface="Calibri" pitchFamily="34" charset="0"/>
+              </a:rPr>
+              <a:t>Text, IntWritable&gt;</a:t>
+            </a:r>
+          </a:p>
+        </p:txBody>
+      </p:sp>
+      <p:sp>
+        <p:nvSpPr>
+          <p:cNvPr id="3" name="Rounded Rectangle 8"/>
+          <p:cNvSpPr/>
+          <p:nvPr/>
+        </p:nvSpPr>
+        <p:spPr>
+          <a:xfrm>
+            <a:off x="1595438" y="2125663"/>
+            <a:ext cx="1450975" cy="609600"/>
+          </a:xfrm>
+          <a:prstGeom prst="roundRect">
+            <a:avLst/>
+          </a:prstGeom>
+        </p:spPr>
+        <p:style>
+          <a:lnRef idx="1">
+            <a:schemeClr val="accent1"/>
+          </a:lnRef>
+          <a:fillRef idx="2">
+            <a:schemeClr val="accent1"/>
+          </a:fillRef>
+          <a:effectRef idx="1">
+            <a:schemeClr val="accent1"/>
+          </a:effectRef>
+          <a:fontRef idx="minor">
+            <a:schemeClr val="dk1"/>
+          </a:fontRef>
+        </p:style>
+        <p:txBody>
+          <a:bodyPr anchor="ctr"/>
+          <a:lstStyle/>
+          <a:p>
+            <a:pPr algn="ctr"/>
+            <a:r>
+              <a:rPr lang="en-US" sz="1000" dirty="0" err="1">
+                <a:solidFill>
+                  <a:srgbClr val="000000"/>
+                </a:solidFill>
+              </a:rPr>
+              <a:t>ivory.index</a:t>
+            </a:r>
+            <a:r>
+              <a:rPr lang="en-US" sz="1000" dirty="0">
+                <a:solidFill>
+                  <a:srgbClr val="000000"/>
+                </a:solidFill>
+              </a:rPr>
+              <a:t>.</a:t>
+            </a:r>
+          </a:p>
+          <a:p>
+            <a:pPr algn="ctr"/>
+            <a:r>
+              <a:rPr lang="en-US" sz="1000" dirty="0">
+                <a:solidFill>
+                  <a:srgbClr val="000000"/>
+                </a:solidFill>
+              </a:rPr>
+              <a:t>GetTermCount</a:t>
+            </a:r>
+          </a:p>
+        </p:txBody>
+      </p:sp>
+      <p:cxnSp>
+        <p:nvCxnSpPr>
+          <p:cNvPr id="2076" name="AutoShape 28"/>
+          <p:cNvCxnSpPr>
+            <a:cxnSpLocks noChangeShapeType="1"/>
+            <a:stCxn id="5" idx="2"/>
+            <a:endCxn id="0" idx="0"/>
+          </p:cNvCxnSpPr>
+          <p:nvPr/>
+        </p:nvCxnSpPr>
+        <p:spPr bwMode="auto">
+          <a:xfrm flipH="1">
+            <a:off x="2320925" y="1858963"/>
+            <a:ext cx="1588" cy="266700"/>
+          </a:xfrm>
+          <a:prstGeom prst="straightConnector1">
+            <a:avLst/>
+          </a:prstGeom>
+          <a:noFill/>
+          <a:ln w="9525">
+            <a:solidFill>
+              <a:schemeClr val="tx1"/>
+            </a:solidFill>
+            <a:round/>
+            <a:headEnd/>
+            <a:tailEnd type="triangle" w="med" len="med"/>
+          </a:ln>
+          <a:effectLst/>
+        </p:spPr>
+      </p:cxnSp>
+      <p:cxnSp>
+        <p:nvCxnSpPr>
+          <p:cNvPr id="2077" name="AutoShape 29"/>
+          <p:cNvCxnSpPr>
+            <a:cxnSpLocks noChangeShapeType="1"/>
+            <a:stCxn id="0" idx="2"/>
+            <a:endCxn id="0" idx="0"/>
+          </p:cNvCxnSpPr>
+          <p:nvPr/>
+        </p:nvCxnSpPr>
+        <p:spPr bwMode="auto">
+          <a:xfrm>
+            <a:off x="2320925" y="2735263"/>
+            <a:ext cx="0" cy="266700"/>
+          </a:xfrm>
+          <a:prstGeom prst="straightConnector1">
+            <a:avLst/>
+          </a:prstGeom>
+          <a:noFill/>
+          <a:ln w="9525">
+            <a:solidFill>
+              <a:schemeClr val="tx1"/>
+            </a:solidFill>
+            <a:round/>
+            <a:headEnd/>
+            <a:tailEnd type="triangle" w="med" len="med"/>
+          </a:ln>
+          <a:effectLst/>
+        </p:spPr>
+      </p:cxnSp>
+    </p:spTree>
+  </p:cSld>
+  <p:clrMapOvr>
+    <a:masterClrMapping/>
+  </p:clrMapOvr>
+  <p:timing>
+    <p:tnLst>
+      <p:par>
+        <p:cTn id="1" dur="indefinite" restart="never" nodeType="tmRoot"/>
+      </p:par>
+    </p:tnLst>
+  </p:timing>
+</p:sld>
+</file>
+
+<file path=ppt/slides/slide4.xml><?xml version="1.0" encoding="utf-8"?>
+<p:sld xmlns:a="http://schemas.openxmlformats.org/drawingml/2006/main" xmlns:r="http://schemas.openxmlformats.org/officeDocument/2006/relationships" xmlns:p="http://schemas.openxmlformats.org/presentationml/2006/main">
+  <p:cSld>
+    <p:spTree>
+      <p:nvGrpSpPr>
+        <p:cNvPr id="1" name=""/>
+        <p:cNvGrpSpPr/>
+        <p:nvPr/>
+      </p:nvGrpSpPr>
+      <p:grpSpPr>
+        <a:xfrm>
+          <a:off x="0" y="0"/>
+          <a:ext cx="0" cy="0"/>
+          <a:chOff x="0" y="0"/>
+          <a:chExt cx="0" cy="0"/>
+        </a:xfrm>
+      </p:grpSpPr>
+      <p:sp>
+        <p:nvSpPr>
+          <p:cNvPr id="4" name="Rounded Rectangle 3"/>
+          <p:cNvSpPr/>
+          <p:nvPr/>
+        </p:nvSpPr>
+        <p:spPr>
+          <a:xfrm>
+            <a:off x="1678253" y="853440"/>
+            <a:ext cx="1371600" cy="365760"/>
+          </a:xfrm>
+          <a:prstGeom prst="roundRect">
+            <a:avLst/>
+          </a:prstGeom>
+        </p:spPr>
+        <p:style>
+          <a:lnRef idx="1">
+            <a:schemeClr val="accent1"/>
+          </a:lnRef>
+          <a:fillRef idx="2">
+            <a:schemeClr val="accent1"/>
+          </a:fillRef>
+          <a:effectRef idx="1">
+            <a:schemeClr val="accent1"/>
+          </a:effectRef>
+          <a:fontRef idx="minor">
+            <a:schemeClr val="dk1"/>
+          </a:fontRef>
+        </p:style>
+        <p:txBody>
+          <a:bodyPr anchor="ctr"/>
+          <a:lstStyle/>
+          <a:p>
+            <a:pPr algn="ctr"/>
+            <a:r>
+              <a:rPr lang="en-US" sz="1000" dirty="0" smtClean="0">
+                <a:solidFill>
+                  <a:srgbClr val="000000"/>
+                </a:solidFill>
+              </a:rPr>
+              <a:t>BuildTermDocVectors</a:t>
+            </a:r>
+            <a:endParaRPr lang="en-US" sz="1000" dirty="0">
+              <a:solidFill>
+                <a:srgbClr val="000000"/>
+              </a:solidFill>
+            </a:endParaRPr>
+          </a:p>
+        </p:txBody>
+      </p:sp>
+      <p:sp>
+        <p:nvSpPr>
+          <p:cNvPr id="5" name="TextBox 4"/>
+          <p:cNvSpPr txBox="1"/>
+          <p:nvPr/>
+        </p:nvSpPr>
+        <p:spPr>
+          <a:xfrm>
+            <a:off x="1676400" y="1383268"/>
+            <a:ext cx="1371600" cy="230832"/>
+          </a:xfrm>
+          <a:prstGeom prst="rect">
+            <a:avLst/>
+          </a:prstGeom>
+          <a:noFill/>
+        </p:spPr>
+        <p:txBody>
+          <a:bodyPr wrap="square">
+            <a:spAutoFit/>
+          </a:bodyPr>
+          <a:lstStyle/>
+          <a:p>
+            <a:pPr algn="ctr"/>
+            <a:r>
+              <a:rPr lang="en-US" sz="900" b="1" dirty="0" smtClean="0">
+                <a:latin typeface="Calibri" pitchFamily="34" charset="0"/>
+              </a:rPr>
+              <a:t>term document vectors</a:t>
+            </a:r>
+            <a:endParaRPr lang="en-US" sz="900" dirty="0">
+              <a:latin typeface="Calibri" pitchFamily="34" charset="0"/>
+            </a:endParaRPr>
+          </a:p>
+        </p:txBody>
+      </p:sp>
+      <p:sp>
+        <p:nvSpPr>
+          <p:cNvPr id="6" name="TextBox 5"/>
+          <p:cNvSpPr txBox="1"/>
+          <p:nvPr/>
+        </p:nvSpPr>
+        <p:spPr>
+          <a:xfrm>
+            <a:off x="1931884" y="457200"/>
+            <a:ext cx="864339" cy="230832"/>
+          </a:xfrm>
+          <a:prstGeom prst="rect">
+            <a:avLst/>
+          </a:prstGeom>
+          <a:noFill/>
+        </p:spPr>
+        <p:txBody>
+          <a:bodyPr wrap="none">
+            <a:spAutoFit/>
+          </a:bodyPr>
+          <a:lstStyle/>
+          <a:p>
+            <a:pPr algn="ctr" fontAlgn="auto">
+              <a:spcBef>
+                <a:spcPts val="0"/>
+              </a:spcBef>
+              <a:spcAft>
+                <a:spcPts val="0"/>
+              </a:spcAft>
+              <a:defRPr/>
+            </a:pPr>
+            <a:r>
+              <a:rPr lang="en-US" sz="900" b="1" dirty="0" smtClean="0">
+                <a:latin typeface="+mn-lt"/>
+              </a:rPr>
+              <a:t>raw </a:t>
+            </a:r>
+            <a:r>
+              <a:rPr lang="en-US" sz="900" b="1" dirty="0">
+                <a:latin typeface="+mn-lt"/>
+              </a:rPr>
+              <a:t>collection</a:t>
+            </a:r>
+          </a:p>
+        </p:txBody>
+      </p:sp>
+      <p:sp>
+        <p:nvSpPr>
+          <p:cNvPr id="7" name="Rounded Rectangle 6"/>
+          <p:cNvSpPr/>
+          <p:nvPr/>
+        </p:nvSpPr>
+        <p:spPr>
+          <a:xfrm>
+            <a:off x="1678253" y="3581400"/>
+            <a:ext cx="1371600" cy="365760"/>
+          </a:xfrm>
+          <a:prstGeom prst="roundRect">
+            <a:avLst/>
+          </a:prstGeom>
+        </p:spPr>
+        <p:style>
+          <a:lnRef idx="1">
+            <a:schemeClr val="accent1"/>
+          </a:lnRef>
+          <a:fillRef idx="2">
+            <a:schemeClr val="accent1"/>
+          </a:fillRef>
+          <a:effectRef idx="1">
+            <a:schemeClr val="accent1"/>
+          </a:effectRef>
+          <a:fontRef idx="minor">
+            <a:schemeClr val="dk1"/>
+          </a:fontRef>
+        </p:style>
+        <p:txBody>
+          <a:bodyPr anchor="ctr"/>
+          <a:lstStyle/>
+          <a:p>
+            <a:pPr algn="ctr"/>
+            <a:r>
+              <a:rPr lang="en-US" sz="1000" dirty="0" smtClean="0">
+                <a:solidFill>
+                  <a:srgbClr val="000000"/>
+                </a:solidFill>
+              </a:rPr>
+              <a:t>BuildIntDocVectors</a:t>
+            </a:r>
+            <a:endParaRPr lang="en-US" sz="1000" dirty="0">
+              <a:solidFill>
+                <a:srgbClr val="000000"/>
+              </a:solidFill>
+            </a:endParaRPr>
+          </a:p>
+        </p:txBody>
+      </p:sp>
+      <p:sp>
+        <p:nvSpPr>
+          <p:cNvPr id="8" name="TextBox 7"/>
+          <p:cNvSpPr txBox="1"/>
+          <p:nvPr/>
+        </p:nvSpPr>
+        <p:spPr>
+          <a:xfrm>
+            <a:off x="1602053" y="4114800"/>
+            <a:ext cx="1524000" cy="230832"/>
+          </a:xfrm>
+          <a:prstGeom prst="rect">
+            <a:avLst/>
+          </a:prstGeom>
+          <a:noFill/>
+        </p:spPr>
+        <p:txBody>
+          <a:bodyPr wrap="square">
+            <a:spAutoFit/>
+          </a:bodyPr>
+          <a:lstStyle/>
+          <a:p>
+            <a:pPr algn="ctr"/>
+            <a:r>
+              <a:rPr lang="en-US" sz="900" b="1" dirty="0" smtClean="0">
+                <a:latin typeface="Calibri" pitchFamily="34" charset="0"/>
+              </a:rPr>
+              <a:t>int </a:t>
+            </a:r>
+            <a:r>
+              <a:rPr lang="en-US" sz="900" b="1" dirty="0" smtClean="0">
+                <a:latin typeface="Calibri" pitchFamily="34" charset="0"/>
+              </a:rPr>
+              <a:t>document </a:t>
+            </a:r>
+            <a:r>
+              <a:rPr lang="en-US" sz="900" b="1" dirty="0" smtClean="0">
+                <a:latin typeface="Calibri" pitchFamily="34" charset="0"/>
+              </a:rPr>
+              <a:t>vectors </a:t>
+            </a:r>
+            <a:endParaRPr lang="en-US" sz="900" dirty="0">
+              <a:latin typeface="Calibri" pitchFamily="34" charset="0"/>
+            </a:endParaRPr>
+          </a:p>
+        </p:txBody>
+      </p:sp>
+      <p:sp>
+        <p:nvSpPr>
+          <p:cNvPr id="10" name="TextBox 9"/>
+          <p:cNvSpPr txBox="1"/>
+          <p:nvPr/>
+        </p:nvSpPr>
+        <p:spPr>
+          <a:xfrm>
+            <a:off x="1676400" y="3200400"/>
+            <a:ext cx="1375698" cy="230832"/>
+          </a:xfrm>
+          <a:prstGeom prst="rect">
+            <a:avLst/>
+          </a:prstGeom>
+          <a:noFill/>
+        </p:spPr>
+        <p:txBody>
+          <a:bodyPr wrap="none">
+            <a:spAutoFit/>
+          </a:bodyPr>
+          <a:lstStyle/>
+          <a:p>
+            <a:r>
+              <a:rPr lang="en-US" sz="900" b="1" dirty="0" smtClean="0">
+                <a:latin typeface="Calibri" pitchFamily="34" charset="0"/>
+              </a:rPr>
+              <a:t>term to </a:t>
+            </a:r>
+            <a:r>
+              <a:rPr lang="en-US" sz="900" b="1" dirty="0" smtClean="0">
+                <a:latin typeface="Calibri" pitchFamily="34" charset="0"/>
+              </a:rPr>
+              <a:t>termid </a:t>
+            </a:r>
+            <a:r>
+              <a:rPr lang="en-US" sz="900" b="1" dirty="0" smtClean="0">
+                <a:latin typeface="Calibri" pitchFamily="34" charset="0"/>
+              </a:rPr>
+              <a:t>mapping</a:t>
+            </a:r>
+            <a:endParaRPr lang="en-US" sz="900" b="1" dirty="0">
+              <a:latin typeface="Calibri" pitchFamily="34" charset="0"/>
+            </a:endParaRPr>
+          </a:p>
+        </p:txBody>
+      </p:sp>
+      <p:cxnSp>
+        <p:nvCxnSpPr>
+          <p:cNvPr id="12" name="Straight Arrow Connector 11"/>
+          <p:cNvCxnSpPr>
+            <a:cxnSpLocks noChangeShapeType="1"/>
+            <a:stCxn id="6" idx="2"/>
+            <a:endCxn id="4" idx="0"/>
+          </p:cNvCxnSpPr>
+          <p:nvPr/>
+        </p:nvCxnSpPr>
+        <p:spPr bwMode="auto">
+          <a:xfrm rot="5400000">
+            <a:off x="2281350" y="770736"/>
+            <a:ext cx="165408" cy="1"/>
+          </a:xfrm>
+          <a:prstGeom prst="straightConnector1">
+            <a:avLst/>
+          </a:prstGeom>
+          <a:noFill/>
+          <a:ln w="9525" algn="ctr">
+            <a:solidFill>
+              <a:srgbClr val="000000"/>
+            </a:solidFill>
+            <a:round/>
+            <a:headEnd/>
+            <a:tailEnd type="triangle" w="sm" len="sm"/>
+          </a:ln>
+        </p:spPr>
+      </p:cxnSp>
+      <p:cxnSp>
+        <p:nvCxnSpPr>
+          <p:cNvPr id="13" name="Straight Arrow Connector 12"/>
+          <p:cNvCxnSpPr>
+            <a:cxnSpLocks noChangeShapeType="1"/>
+            <a:stCxn id="4" idx="2"/>
+            <a:endCxn id="5" idx="0"/>
+          </p:cNvCxnSpPr>
+          <p:nvPr/>
+        </p:nvCxnSpPr>
+        <p:spPr bwMode="auto">
+          <a:xfrm rot="5400000">
+            <a:off x="2281093" y="1300308"/>
+            <a:ext cx="164068" cy="1853"/>
+          </a:xfrm>
+          <a:prstGeom prst="straightConnector1">
+            <a:avLst/>
+          </a:prstGeom>
+          <a:noFill/>
+          <a:ln w="9525" algn="ctr">
+            <a:solidFill>
+              <a:srgbClr val="000000"/>
+            </a:solidFill>
+            <a:round/>
+            <a:headEnd/>
+            <a:tailEnd type="triangle" w="sm" len="sm"/>
+          </a:ln>
+        </p:spPr>
+      </p:cxnSp>
+      <p:cxnSp>
+        <p:nvCxnSpPr>
+          <p:cNvPr id="16" name="Straight Arrow Connector 15"/>
+          <p:cNvCxnSpPr>
+            <a:cxnSpLocks noChangeShapeType="1"/>
+            <a:stCxn id="2" idx="2"/>
+            <a:endCxn id="28" idx="0"/>
+          </p:cNvCxnSpPr>
+          <p:nvPr/>
+        </p:nvCxnSpPr>
+        <p:spPr bwMode="auto">
+          <a:xfrm rot="5400000">
+            <a:off x="2288970" y="2591916"/>
+            <a:ext cx="150168" cy="1"/>
+          </a:xfrm>
+          <a:prstGeom prst="straightConnector1">
+            <a:avLst/>
+          </a:prstGeom>
+          <a:noFill/>
+          <a:ln w="9525" algn="ctr">
+            <a:solidFill>
+              <a:srgbClr val="000000"/>
+            </a:solidFill>
+            <a:round/>
+            <a:headEnd/>
+            <a:tailEnd type="triangle" w="sm" len="sm"/>
+          </a:ln>
+        </p:spPr>
+      </p:cxnSp>
+      <p:cxnSp>
+        <p:nvCxnSpPr>
+          <p:cNvPr id="19" name="Straight Arrow Connector 18"/>
+          <p:cNvCxnSpPr>
+            <a:cxnSpLocks noChangeShapeType="1"/>
+            <a:stCxn id="28" idx="2"/>
+            <a:endCxn id="10" idx="0"/>
+          </p:cNvCxnSpPr>
+          <p:nvPr/>
+        </p:nvCxnSpPr>
+        <p:spPr bwMode="auto">
+          <a:xfrm rot="16200000" flipH="1">
+            <a:off x="2280331" y="3116482"/>
+            <a:ext cx="167640" cy="196"/>
+          </a:xfrm>
+          <a:prstGeom prst="straightConnector1">
+            <a:avLst/>
+          </a:prstGeom>
+          <a:noFill/>
+          <a:ln w="9525" algn="ctr">
+            <a:solidFill>
+              <a:srgbClr val="000000"/>
+            </a:solidFill>
+            <a:round/>
+            <a:headEnd/>
+            <a:tailEnd type="triangle" w="sm" len="sm"/>
+          </a:ln>
+        </p:spPr>
+      </p:cxnSp>
+      <p:cxnSp>
+        <p:nvCxnSpPr>
+          <p:cNvPr id="23" name="Elbow Connector 22"/>
+          <p:cNvCxnSpPr>
+            <a:cxnSpLocks noChangeShapeType="1"/>
+            <a:stCxn id="5" idx="1"/>
+            <a:endCxn id="7" idx="1"/>
+          </p:cNvCxnSpPr>
+          <p:nvPr/>
+        </p:nvCxnSpPr>
+        <p:spPr bwMode="auto">
+          <a:xfrm rot="10800000" flipH="1" flipV="1">
+            <a:off x="1676399" y="1498684"/>
+            <a:ext cx="1853" cy="2265596"/>
+          </a:xfrm>
+          <a:prstGeom prst="bentConnector3">
+            <a:avLst>
+              <a:gd name="adj1" fmla="val -21308911"/>
+            </a:avLst>
+          </a:prstGeom>
+          <a:noFill/>
+          <a:ln w="9525" algn="ctr">
+            <a:solidFill>
+              <a:srgbClr val="000000"/>
+            </a:solidFill>
+            <a:miter lim="800000"/>
+            <a:headEnd/>
+            <a:tailEnd type="triangle" w="sm" len="sm"/>
+          </a:ln>
+        </p:spPr>
+      </p:cxnSp>
+      <p:cxnSp>
+        <p:nvCxnSpPr>
+          <p:cNvPr id="31" name="Straight Arrow Connector 30"/>
+          <p:cNvCxnSpPr>
+            <a:cxnSpLocks noChangeShapeType="1"/>
+            <a:stCxn id="10" idx="2"/>
+            <a:endCxn id="7" idx="0"/>
+          </p:cNvCxnSpPr>
+          <p:nvPr/>
+        </p:nvCxnSpPr>
+        <p:spPr bwMode="auto">
+          <a:xfrm rot="5400000">
+            <a:off x="2289067" y="3506218"/>
+            <a:ext cx="150168" cy="196"/>
+          </a:xfrm>
+          <a:prstGeom prst="straightConnector1">
+            <a:avLst/>
+          </a:prstGeom>
+          <a:noFill/>
+          <a:ln w="9525" algn="ctr">
+            <a:solidFill>
+              <a:srgbClr val="000000"/>
+            </a:solidFill>
+            <a:round/>
+            <a:headEnd/>
+            <a:tailEnd type="triangle" w="sm" len="sm"/>
+          </a:ln>
+        </p:spPr>
+      </p:cxnSp>
+      <p:cxnSp>
+        <p:nvCxnSpPr>
+          <p:cNvPr id="41" name="Straight Arrow Connector 40"/>
+          <p:cNvCxnSpPr>
+            <a:cxnSpLocks noChangeShapeType="1"/>
+            <a:stCxn id="7" idx="2"/>
+            <a:endCxn id="8" idx="0"/>
+          </p:cNvCxnSpPr>
+          <p:nvPr/>
+        </p:nvCxnSpPr>
+        <p:spPr bwMode="auto">
+          <a:xfrm rot="5400000">
+            <a:off x="2280233" y="4030980"/>
+            <a:ext cx="167640" cy="1588"/>
+          </a:xfrm>
+          <a:prstGeom prst="straightConnector1">
+            <a:avLst/>
+          </a:prstGeom>
+          <a:noFill/>
+          <a:ln w="9525" algn="ctr">
+            <a:solidFill>
+              <a:srgbClr val="000000"/>
+            </a:solidFill>
+            <a:round/>
+            <a:headEnd/>
+            <a:tailEnd type="triangle" w="sm" len="sm"/>
+          </a:ln>
+        </p:spPr>
+      </p:cxnSp>
+      <p:sp>
+        <p:nvSpPr>
+          <p:cNvPr id="44" name="Rounded Rectangle 43"/>
+          <p:cNvSpPr/>
+          <p:nvPr/>
+        </p:nvSpPr>
+        <p:spPr>
+          <a:xfrm>
+            <a:off x="533400" y="4645819"/>
+            <a:ext cx="1737360" cy="365760"/>
+          </a:xfrm>
+          <a:prstGeom prst="roundRect">
+            <a:avLst/>
+          </a:prstGeom>
+        </p:spPr>
+        <p:style>
+          <a:lnRef idx="1">
+            <a:schemeClr val="accent3"/>
+          </a:lnRef>
+          <a:fillRef idx="2">
+            <a:schemeClr val="accent3"/>
+          </a:fillRef>
+          <a:effectRef idx="1">
+            <a:schemeClr val="accent3"/>
+          </a:effectRef>
+          <a:fontRef idx="minor">
+            <a:schemeClr val="dk1"/>
+          </a:fontRef>
+        </p:style>
+        <p:txBody>
+          <a:bodyPr lIns="0" tIns="0" rIns="0" bIns="0" anchor="ctr"/>
+          <a:lstStyle/>
+          <a:p>
+            <a:pPr algn="ctr"/>
+            <a:r>
+              <a:rPr lang="en-US" sz="1000" dirty="0" smtClean="0">
+                <a:solidFill>
+                  <a:srgbClr val="000000"/>
+                </a:solidFill>
+              </a:rPr>
+              <a:t>BuildIPInvertedIndexDocSorted</a:t>
+            </a:r>
+            <a:endParaRPr lang="en-US" sz="1000" dirty="0">
+              <a:solidFill>
+                <a:srgbClr val="000000"/>
+              </a:solidFill>
+            </a:endParaRPr>
+          </a:p>
+        </p:txBody>
+      </p:sp>
+      <p:sp>
+        <p:nvSpPr>
+          <p:cNvPr id="87" name="Rounded Rectangle 86"/>
+          <p:cNvSpPr/>
+          <p:nvPr/>
+        </p:nvSpPr>
+        <p:spPr>
+          <a:xfrm>
+            <a:off x="2453640" y="4645819"/>
+            <a:ext cx="1737360" cy="365760"/>
+          </a:xfrm>
+          <a:prstGeom prst="roundRect">
+            <a:avLst/>
+          </a:prstGeom>
+        </p:spPr>
+        <p:style>
+          <a:lnRef idx="1">
+            <a:schemeClr val="accent3"/>
+          </a:lnRef>
+          <a:fillRef idx="2">
+            <a:schemeClr val="accent3"/>
+          </a:fillRef>
+          <a:effectRef idx="1">
+            <a:schemeClr val="accent3"/>
+          </a:effectRef>
+          <a:fontRef idx="minor">
+            <a:schemeClr val="dk1"/>
+          </a:fontRef>
+        </p:style>
+        <p:txBody>
+          <a:bodyPr lIns="0" tIns="0" rIns="0" bIns="0" anchor="ctr"/>
+          <a:lstStyle/>
+          <a:p>
+            <a:pPr algn="ctr"/>
+            <a:r>
+              <a:rPr lang="en-US" sz="1000" dirty="0" smtClean="0">
+                <a:solidFill>
+                  <a:srgbClr val="000000"/>
+                </a:solidFill>
+              </a:rPr>
+              <a:t>BuildLPInvertedIndexDocSorted</a:t>
+            </a:r>
+            <a:endParaRPr lang="en-US" sz="1000" dirty="0">
+              <a:solidFill>
+                <a:srgbClr val="000000"/>
+              </a:solidFill>
+            </a:endParaRPr>
+          </a:p>
+        </p:txBody>
+      </p:sp>
+      <p:sp>
+        <p:nvSpPr>
+          <p:cNvPr id="90" name="TextBox 89"/>
+          <p:cNvSpPr txBox="1"/>
+          <p:nvPr/>
+        </p:nvSpPr>
+        <p:spPr>
+          <a:xfrm>
+            <a:off x="1886198" y="5316379"/>
+            <a:ext cx="955710" cy="246221"/>
+          </a:xfrm>
+          <a:prstGeom prst="rect">
+            <a:avLst/>
+          </a:prstGeom>
+          <a:noFill/>
+        </p:spPr>
+        <p:txBody>
+          <a:bodyPr wrap="none">
+            <a:spAutoFit/>
+          </a:bodyPr>
+          <a:lstStyle/>
+          <a:p>
+            <a:pPr algn="ctr"/>
+            <a:r>
+              <a:rPr lang="en-US" sz="1000" b="1" dirty="0" smtClean="0">
+                <a:latin typeface="Calibri" pitchFamily="34" charset="0"/>
+              </a:rPr>
+              <a:t>inverted </a:t>
+            </a:r>
+            <a:r>
+              <a:rPr lang="en-US" sz="1000" b="1" dirty="0" smtClean="0">
+                <a:latin typeface="Calibri" pitchFamily="34" charset="0"/>
+              </a:rPr>
+              <a:t>index</a:t>
+            </a:r>
+            <a:endParaRPr lang="en-US" sz="1000" dirty="0">
+              <a:latin typeface="Calibri" pitchFamily="34" charset="0"/>
+            </a:endParaRPr>
+          </a:p>
+        </p:txBody>
+      </p:sp>
+      <p:cxnSp>
+        <p:nvCxnSpPr>
+          <p:cNvPr id="94" name="Elbow Connector 93"/>
+          <p:cNvCxnSpPr>
+            <a:cxnSpLocks noChangeShapeType="1"/>
+            <a:stCxn id="8" idx="2"/>
+            <a:endCxn id="44" idx="0"/>
+          </p:cNvCxnSpPr>
+          <p:nvPr/>
+        </p:nvCxnSpPr>
+        <p:spPr bwMode="auto">
+          <a:xfrm rot="5400000">
+            <a:off x="1732974" y="4014739"/>
+            <a:ext cx="300187" cy="961973"/>
+          </a:xfrm>
+          <a:prstGeom prst="bentConnector3">
+            <a:avLst>
+              <a:gd name="adj1" fmla="val 50000"/>
+            </a:avLst>
+          </a:prstGeom>
+          <a:noFill/>
+          <a:ln w="9525" algn="ctr">
+            <a:solidFill>
+              <a:srgbClr val="000000"/>
+            </a:solidFill>
+            <a:miter lim="800000"/>
+            <a:headEnd/>
+            <a:tailEnd type="triangle" w="sm" len="sm"/>
+          </a:ln>
+        </p:spPr>
+      </p:cxnSp>
+      <p:cxnSp>
+        <p:nvCxnSpPr>
+          <p:cNvPr id="100" name="Elbow Connector 99"/>
+          <p:cNvCxnSpPr>
+            <a:cxnSpLocks noChangeShapeType="1"/>
+            <a:stCxn id="8" idx="2"/>
+            <a:endCxn id="87" idx="0"/>
+          </p:cNvCxnSpPr>
+          <p:nvPr/>
+        </p:nvCxnSpPr>
+        <p:spPr bwMode="auto">
+          <a:xfrm rot="16200000" flipH="1">
+            <a:off x="2693093" y="4016591"/>
+            <a:ext cx="300187" cy="958267"/>
+          </a:xfrm>
+          <a:prstGeom prst="bentConnector3">
+            <a:avLst>
+              <a:gd name="adj1" fmla="val 50000"/>
+            </a:avLst>
+          </a:prstGeom>
+          <a:noFill/>
+          <a:ln w="9525" algn="ctr">
+            <a:solidFill>
+              <a:srgbClr val="000000"/>
+            </a:solidFill>
+            <a:miter lim="800000"/>
+            <a:headEnd/>
+            <a:tailEnd type="triangle" w="sm" len="sm"/>
+          </a:ln>
+        </p:spPr>
+      </p:cxnSp>
+      <p:cxnSp>
+        <p:nvCxnSpPr>
+          <p:cNvPr id="105" name="Elbow Connector 104"/>
+          <p:cNvCxnSpPr>
+            <a:cxnSpLocks noChangeShapeType="1"/>
+            <a:stCxn id="44" idx="2"/>
+            <a:endCxn id="90" idx="0"/>
+          </p:cNvCxnSpPr>
+          <p:nvPr/>
+        </p:nvCxnSpPr>
+        <p:spPr bwMode="auto">
+          <a:xfrm rot="16200000" flipH="1">
+            <a:off x="1730666" y="4682992"/>
+            <a:ext cx="304800" cy="961973"/>
+          </a:xfrm>
+          <a:prstGeom prst="bentConnector3">
+            <a:avLst>
+              <a:gd name="adj1" fmla="val 50000"/>
+            </a:avLst>
+          </a:prstGeom>
+          <a:noFill/>
+          <a:ln w="9525" algn="ctr">
+            <a:solidFill>
+              <a:srgbClr val="000000"/>
+            </a:solidFill>
+            <a:miter lim="800000"/>
+            <a:headEnd/>
+            <a:tailEnd type="triangle" w="sm" len="sm"/>
+          </a:ln>
+        </p:spPr>
+      </p:cxnSp>
+      <p:cxnSp>
+        <p:nvCxnSpPr>
+          <p:cNvPr id="108" name="Elbow Connector 107"/>
+          <p:cNvCxnSpPr>
+            <a:cxnSpLocks noChangeShapeType="1"/>
+            <a:stCxn id="87" idx="2"/>
+            <a:endCxn id="90" idx="0"/>
+          </p:cNvCxnSpPr>
+          <p:nvPr/>
+        </p:nvCxnSpPr>
+        <p:spPr bwMode="auto">
+          <a:xfrm rot="5400000">
+            <a:off x="2690787" y="4684846"/>
+            <a:ext cx="304800" cy="958267"/>
+          </a:xfrm>
+          <a:prstGeom prst="bentConnector3">
+            <a:avLst>
+              <a:gd name="adj1" fmla="val 50000"/>
+            </a:avLst>
+          </a:prstGeom>
+          <a:noFill/>
+          <a:ln w="9525" algn="ctr">
+            <a:solidFill>
+              <a:srgbClr val="000000"/>
+            </a:solidFill>
+            <a:miter lim="800000"/>
+            <a:headEnd/>
+            <a:tailEnd type="triangle" w="sm" len="sm"/>
+          </a:ln>
+        </p:spPr>
+      </p:cxnSp>
+      <p:sp>
+        <p:nvSpPr>
+          <p:cNvPr id="2" name="TextBox 4"/>
+          <p:cNvSpPr txBox="1"/>
+          <p:nvPr/>
+        </p:nvSpPr>
+        <p:spPr>
+          <a:xfrm>
+            <a:off x="1719486" y="2286000"/>
+            <a:ext cx="1289135" cy="230832"/>
+          </a:xfrm>
+          <a:prstGeom prst="rect">
+            <a:avLst/>
+          </a:prstGeom>
+          <a:noFill/>
+        </p:spPr>
+        <p:txBody>
+          <a:bodyPr wrap="none">
+            <a:spAutoFit/>
+          </a:bodyPr>
+          <a:lstStyle/>
+          <a:p>
+            <a:pPr algn="ctr"/>
+            <a:r>
+              <a:rPr lang="en-US" sz="900" b="1" dirty="0" smtClean="0">
+                <a:latin typeface="Calibri" pitchFamily="34" charset="0"/>
+              </a:rPr>
+              <a:t>collection term </a:t>
+            </a:r>
+            <a:r>
+              <a:rPr lang="en-US" sz="900" b="1" dirty="0" smtClean="0">
+                <a:latin typeface="Calibri" pitchFamily="34" charset="0"/>
+              </a:rPr>
+              <a:t>counts</a:t>
+            </a:r>
+            <a:endParaRPr lang="en-US" sz="900" dirty="0">
+              <a:latin typeface="Calibri" pitchFamily="34" charset="0"/>
+            </a:endParaRPr>
+          </a:p>
+        </p:txBody>
+      </p:sp>
+      <p:sp>
+        <p:nvSpPr>
+          <p:cNvPr id="3" name="Rounded Rectangle 8"/>
+          <p:cNvSpPr/>
+          <p:nvPr/>
+        </p:nvSpPr>
+        <p:spPr>
+          <a:xfrm>
+            <a:off x="1678253" y="1752600"/>
+            <a:ext cx="1371600" cy="365760"/>
+          </a:xfrm>
+          <a:prstGeom prst="roundRect">
+            <a:avLst/>
+          </a:prstGeom>
+        </p:spPr>
+        <p:style>
+          <a:lnRef idx="1">
+            <a:schemeClr val="accent1"/>
+          </a:lnRef>
+          <a:fillRef idx="2">
+            <a:schemeClr val="accent1"/>
+          </a:fillRef>
+          <a:effectRef idx="1">
+            <a:schemeClr val="accent1"/>
+          </a:effectRef>
+          <a:fontRef idx="minor">
+            <a:schemeClr val="dk1"/>
+          </a:fontRef>
+        </p:style>
+        <p:txBody>
+          <a:bodyPr anchor="ctr"/>
+          <a:lstStyle/>
+          <a:p>
+            <a:pPr algn="ctr"/>
+            <a:r>
+              <a:rPr lang="en-US" sz="1000" dirty="0" smtClean="0">
+                <a:solidFill>
+                  <a:srgbClr val="000000"/>
+                </a:solidFill>
+              </a:rPr>
+              <a:t>GetTermCount</a:t>
+            </a:r>
+            <a:endParaRPr lang="en-US" sz="1000" dirty="0">
+              <a:solidFill>
+                <a:srgbClr val="000000"/>
+              </a:solidFill>
+            </a:endParaRPr>
+          </a:p>
+        </p:txBody>
+      </p:sp>
+      <p:cxnSp>
+        <p:nvCxnSpPr>
+          <p:cNvPr id="2076" name="AutoShape 28"/>
+          <p:cNvCxnSpPr>
+            <a:cxnSpLocks noChangeShapeType="1"/>
+            <a:stCxn id="5" idx="2"/>
+            <a:endCxn id="3" idx="0"/>
+          </p:cNvCxnSpPr>
+          <p:nvPr/>
+        </p:nvCxnSpPr>
+        <p:spPr bwMode="auto">
+          <a:xfrm rot="16200000" flipH="1">
+            <a:off x="2293876" y="1682423"/>
+            <a:ext cx="138500" cy="1853"/>
+          </a:xfrm>
+          <a:prstGeom prst="straightConnector1">
+            <a:avLst/>
+          </a:prstGeom>
+          <a:noFill/>
+          <a:ln w="9525">
+            <a:solidFill>
+              <a:schemeClr val="tx1"/>
+            </a:solidFill>
+            <a:round/>
+            <a:headEnd/>
+            <a:tailEnd type="triangle" w="sm" len="sm"/>
+          </a:ln>
+          <a:effectLst/>
+        </p:spPr>
+      </p:cxnSp>
+      <p:cxnSp>
+        <p:nvCxnSpPr>
+          <p:cNvPr id="2077" name="AutoShape 29"/>
+          <p:cNvCxnSpPr>
+            <a:cxnSpLocks noChangeShapeType="1"/>
+            <a:stCxn id="3" idx="2"/>
+            <a:endCxn id="2" idx="0"/>
+          </p:cNvCxnSpPr>
+          <p:nvPr/>
+        </p:nvCxnSpPr>
+        <p:spPr bwMode="auto">
+          <a:xfrm rot="16200000" flipH="1">
+            <a:off x="2280233" y="2202179"/>
+            <a:ext cx="167640" cy="1"/>
+          </a:xfrm>
+          <a:prstGeom prst="straightConnector1">
+            <a:avLst/>
+          </a:prstGeom>
+          <a:noFill/>
+          <a:ln w="9525">
+            <a:solidFill>
+              <a:schemeClr val="tx1"/>
+            </a:solidFill>
+            <a:round/>
+            <a:headEnd/>
+            <a:tailEnd type="triangle" w="sm" len="sm"/>
+          </a:ln>
+          <a:effectLst/>
+        </p:spPr>
+      </p:cxnSp>
+      <p:sp>
+        <p:nvSpPr>
+          <p:cNvPr id="28" name="Rounded Rectangle 8"/>
+          <p:cNvSpPr/>
+          <p:nvPr/>
+        </p:nvSpPr>
+        <p:spPr>
+          <a:xfrm>
+            <a:off x="1678253" y="2667000"/>
+            <a:ext cx="1371600" cy="365760"/>
+          </a:xfrm>
+          <a:prstGeom prst="roundRect">
+            <a:avLst/>
+          </a:prstGeom>
+        </p:spPr>
+        <p:style>
+          <a:lnRef idx="1">
+            <a:schemeClr val="accent1"/>
+          </a:lnRef>
+          <a:fillRef idx="2">
+            <a:schemeClr val="accent1"/>
+          </a:fillRef>
+          <a:effectRef idx="1">
+            <a:schemeClr val="accent1"/>
+          </a:effectRef>
+          <a:fontRef idx="minor">
+            <a:schemeClr val="dk1"/>
+          </a:fontRef>
+        </p:style>
+        <p:txBody>
+          <a:bodyPr anchor="ctr"/>
+          <a:lstStyle/>
+          <a:p>
+            <a:pPr algn="ctr" fontAlgn="auto">
+              <a:spcBef>
+                <a:spcPts val="0"/>
+              </a:spcBef>
+              <a:spcAft>
+                <a:spcPts val="0"/>
+              </a:spcAft>
+              <a:defRPr/>
+            </a:pPr>
+            <a:r>
+              <a:rPr lang="en-US" sz="1000" dirty="0" smtClean="0"/>
+              <a:t>BuildTermIdMapping</a:t>
+            </a:r>
+            <a:endParaRPr lang="en-US" sz="1000" dirty="0"/>
+          </a:p>
+        </p:txBody>
+      </p:sp>
+    </p:spTree>
+  </p:cSld>
+  <p:clrMapOvr>
+    <a:masterClrMapping/>
+  </p:clrMapOvr>
+  <p:timing>
+    <p:tnLst>
+      <p:par>
+        <p:cTn id="1" dur="indefinite" restart="never" nodeType="tmRoot"/>
+      </p:par>
+    </p:tnLst>
+  </p:timing>
+</p:sld>
+</file>
+
 <file path=ppt/theme/theme1.xml><?xml version="1.0" encoding="utf-8"?>
 <a:theme xmlns:a="http://schemas.openxmlformats.org/drawingml/2006/main" name="Office Theme">
   <a:themeElements>
